--- a/보고서/2013136043_PPT.pptx
+++ b/보고서/2013136043_PPT.pptx
@@ -4683,7 +4683,7 @@
         <p:spPr>
           <a:xfrm>
             <a:off x="636104" y="69575"/>
-            <a:ext cx="1865161" cy="1843045"/>
+            <a:ext cx="1798486" cy="1843045"/>
           </a:xfrm>
           <a:prstGeom prst="rect">
             <a:avLst/>
@@ -4701,15 +4701,11 @@
             </a:pPr>
             <a:r>
               <a:rPr lang="en-US" altLang="ko-KR" sz="11500">
-                <a:latin typeface="Bauhaus 93"/>
-                <a:ea typeface="HY견고딕"/>
+                <a:cs typeface="맑은 고딕"/>
               </a:rPr>
               <a:t>03</a:t>
             </a:r>
-            <a:endParaRPr lang="ko-KR" altLang="en-US">
-              <a:latin typeface="Bauhaus 93"/>
-              <a:ea typeface="HY견고딕"/>
-            </a:endParaRPr>
+            <a:endParaRPr lang="ko-KR" altLang="en-US"/>
           </a:p>
         </p:txBody>
       </p:sp>
@@ -4792,33 +4788,7 @@
             <a:pPr algn="ctr">
               <a:defRPr lang="ko-KR" altLang="en-US"/>
             </a:pPr>
-            <a:r>
-              <a:rPr lang="en-US" altLang="ko-KR" sz="1600" b="1">
-                <a:solidFill>
-                  <a:schemeClr val="tx1"/>
-                </a:solidFill>
-              </a:rPr>
-              <a:t>digitalread() </a:t>
-            </a:r>
-            <a:r>
-              <a:rPr lang="ko-KR" altLang="en-US" sz="1600" b="1">
-                <a:solidFill>
-                  <a:schemeClr val="tx1"/>
-                </a:solidFill>
-              </a:rPr>
-              <a:t>함수로 </a:t>
-            </a:r>
-            <a:endParaRPr lang="ko-KR" altLang="en-US" sz="1600" b="1">
-              <a:solidFill>
-                <a:schemeClr val="tx1"/>
-              </a:solidFill>
-            </a:endParaRPr>
-          </a:p>
-          <a:p>
-            <a:pPr algn="ctr">
-              <a:defRPr lang="ko-KR" altLang="en-US"/>
-            </a:pPr>
-            <a:endParaRPr lang="ko-KR" altLang="en-US" sz="1600" b="1">
+            <a:endParaRPr lang="en-US" altLang="ko-KR" sz="1600" b="1">
               <a:solidFill>
                 <a:schemeClr val="tx1"/>
               </a:solidFill>
